--- a/Baocao/52000449_52000008.pptx
+++ b/Baocao/52000449_52000008.pptx
@@ -5,10 +5,10 @@
     <p:sldMasterId id="2147483648" r:id="rId1"/>
   </p:sldMasterIdLst>
   <p:notesMasterIdLst>
-    <p:notesMasterId r:id="rId19"/>
+    <p:notesMasterId r:id="rId20"/>
   </p:notesMasterIdLst>
   <p:handoutMasterIdLst>
-    <p:handoutMasterId r:id="rId20"/>
+    <p:handoutMasterId r:id="rId21"/>
   </p:handoutMasterIdLst>
   <p:sldIdLst>
     <p:sldId id="257" r:id="rId3"/>
@@ -26,7 +26,8 @@
     <p:sldId id="327" r:id="rId15"/>
     <p:sldId id="322" r:id="rId16"/>
     <p:sldId id="330" r:id="rId17"/>
-    <p:sldId id="278" r:id="rId18"/>
+    <p:sldId id="333" r:id="rId18"/>
+    <p:sldId id="278" r:id="rId19"/>
   </p:sldIdLst>
   <p:sldSz cx="9144000" cy="5143500"/>
   <p:notesSz cx="6858000" cy="9144000"/>
@@ -9292,35 +9293,194 @@
           </p:txBody>
         </p:sp>
       </p:grpSp>
+    </p:spTree>
+  </p:cSld>
+  <p:clrMapOvr>
+    <a:masterClrMapping/>
+  </p:clrMapOvr>
+  <p:transition spd="slow">
+    <p:push/>
+  </p:transition>
+</p:sld>
+</file>
+
+<file path=ppt/slides/slide16.xml><?xml version="1.0" encoding="utf-8"?>
+<p:sld xmlns:a="http://schemas.openxmlformats.org/drawingml/2006/main" xmlns:r="http://schemas.openxmlformats.org/officeDocument/2006/relationships" xmlns:p="http://schemas.openxmlformats.org/presentationml/2006/main">
+  <p:cSld>
+    <p:spTree>
+      <p:nvGrpSpPr>
+        <p:cNvPr id="1" name=""/>
+        <p:cNvGrpSpPr/>
+        <p:nvPr/>
+      </p:nvGrpSpPr>
+      <p:grpSpPr/>
       <p:sp>
         <p:nvSpPr>
-          <p:cNvPr id="2" name="Text Box 1"/>
-          <p:cNvSpPr txBox="1"/>
+          <p:cNvPr id="5" name="平行四边形 2"/>
+          <p:cNvSpPr/>
           <p:nvPr/>
         </p:nvSpPr>
         <p:spPr>
-          <a:xfrm>
-            <a:off x="4652645" y="4651375"/>
-            <a:ext cx="1595755" cy="291465"/>
+          <a:xfrm rot="5400000">
+            <a:off x="637858" y="2223"/>
+            <a:ext cx="1354137" cy="1903412"/>
           </a:xfrm>
-          <a:prstGeom prst="rect">
-            <a:avLst/>
+          <a:prstGeom prst="parallelogram">
+            <a:avLst>
+              <a:gd name="adj" fmla="val 62458"/>
+            </a:avLst>
           </a:prstGeom>
-          <a:noFill/>
+          <a:solidFill>
+            <a:srgbClr val="BFBFBF"/>
+          </a:solidFill>
+          <a:ln w="9525">
+            <a:noFill/>
+          </a:ln>
         </p:spPr>
         <p:txBody>
-          <a:bodyPr wrap="square" rtlCol="0">
-            <a:spAutoFit/>
-          </a:bodyPr>
+          <a:bodyPr anchor="ctr" anchorCtr="0"/>
           <a:p>
-            <a:r>
-              <a:rPr lang="en-US"/>
-              <a:t>Kết quả huấn luyện</a:t>
-            </a:r>
-            <a:endParaRPr lang="en-US"/>
+            <a:pPr algn="ctr"/>
+            <a:endParaRPr lang="zh-CN" altLang="en-US" dirty="0">
+              <a:solidFill>
+                <a:srgbClr val="FFFFFF"/>
+              </a:solidFill>
+              <a:latin typeface="Calibri" panose="020F0502020204030204" pitchFamily="34" charset="0"/>
+              <a:ea typeface="Microsoft YaHei" panose="020B0503020204020204" pitchFamily="34" charset="-122"/>
+            </a:endParaRPr>
           </a:p>
         </p:txBody>
       </p:sp>
+      <p:grpSp>
+        <p:nvGrpSpPr>
+          <p:cNvPr id="6" name="Group 6"/>
+          <p:cNvGrpSpPr/>
+          <p:nvPr/>
+        </p:nvGrpSpPr>
+        <p:grpSpPr>
+          <a:xfrm>
+            <a:off x="363220" y="276860"/>
+            <a:ext cx="2428875" cy="508000"/>
+            <a:chOff x="0" y="0"/>
+            <a:chExt cx="2428125" cy="507152"/>
+          </a:xfrm>
+        </p:grpSpPr>
+        <p:sp>
+          <p:nvSpPr>
+            <p:cNvPr id="7" name="矩形 46"/>
+            <p:cNvSpPr/>
+            <p:nvPr/>
+          </p:nvSpPr>
+          <p:spPr>
+            <a:xfrm flipH="1">
+              <a:off x="0" y="396700"/>
+              <a:ext cx="2427071" cy="110452"/>
+            </a:xfrm>
+            <a:prstGeom prst="rect">
+              <a:avLst/>
+            </a:prstGeom>
+            <a:solidFill>
+              <a:srgbClr val="FFC000"/>
+            </a:solidFill>
+            <a:ln w="9525">
+              <a:noFill/>
+            </a:ln>
+          </p:spPr>
+          <p:txBody>
+            <a:bodyPr anchor="ctr" anchorCtr="0"/>
+            <a:p>
+              <a:pPr algn="ctr"/>
+              <a:endParaRPr lang="zh-CN" altLang="en-US" dirty="0">
+                <a:solidFill>
+                  <a:srgbClr val="FFFFFF"/>
+                </a:solidFill>
+                <a:latin typeface="Calibri" panose="020F0502020204030204" pitchFamily="34" charset="0"/>
+                <a:ea typeface="Microsoft YaHei" panose="020B0503020204020204" pitchFamily="34" charset="-122"/>
+              </a:endParaRPr>
+            </a:p>
+          </p:txBody>
+        </p:sp>
+        <p:sp>
+          <p:nvSpPr>
+            <p:cNvPr id="8" name="矩形 52"/>
+            <p:cNvSpPr/>
+            <p:nvPr/>
+          </p:nvSpPr>
+          <p:spPr>
+            <a:xfrm>
+              <a:off x="1054" y="0"/>
+              <a:ext cx="2427071" cy="396023"/>
+            </a:xfrm>
+            <a:prstGeom prst="rect">
+              <a:avLst/>
+            </a:prstGeom>
+            <a:solidFill>
+              <a:srgbClr val="203864"/>
+            </a:solidFill>
+            <a:ln w="9525">
+              <a:noFill/>
+            </a:ln>
+          </p:spPr>
+          <p:txBody>
+            <a:bodyPr anchor="ctr" anchorCtr="0"/>
+            <a:p>
+              <a:pPr algn="ctr"/>
+              <a:endParaRPr lang="zh-CN" altLang="en-US" dirty="0">
+                <a:solidFill>
+                  <a:srgbClr val="FFFFFF"/>
+                </a:solidFill>
+                <a:latin typeface="Calibri" panose="020F0502020204030204" pitchFamily="34" charset="0"/>
+                <a:ea typeface="Microsoft YaHei" panose="020B0503020204020204" pitchFamily="34" charset="-122"/>
+              </a:endParaRPr>
+            </a:p>
+          </p:txBody>
+        </p:sp>
+        <p:sp>
+          <p:nvSpPr>
+            <p:cNvPr id="9" name="文本框 61"/>
+            <p:cNvSpPr txBox="1"/>
+            <p:nvPr/>
+          </p:nvSpPr>
+          <p:spPr>
+            <a:xfrm>
+              <a:off x="145418" y="67206"/>
+              <a:ext cx="2136233" cy="275130"/>
+            </a:xfrm>
+            <a:prstGeom prst="rect">
+              <a:avLst/>
+            </a:prstGeom>
+            <a:noFill/>
+            <a:ln w="9525">
+              <a:noFill/>
+            </a:ln>
+          </p:spPr>
+          <p:txBody>
+            <a:bodyPr anchor="t" anchorCtr="0">
+              <a:spAutoFit/>
+            </a:bodyPr>
+            <a:p>
+              <a:pPr algn="ctr"/>
+              <a:r>
+                <a:rPr lang="en-US" altLang="zh-CN" sz="1200" dirty="0">
+                  <a:solidFill>
+                    <a:schemeClr val="bg1"/>
+                  </a:solidFill>
+                  <a:latin typeface="Microsoft YaHei" panose="020B0503020204020204" pitchFamily="34" charset="-122"/>
+                  <a:ea typeface="Microsoft YaHei" panose="020B0503020204020204" pitchFamily="34" charset="-122"/>
+                </a:rPr>
+                <a:t>Demo</a:t>
+              </a:r>
+              <a:endParaRPr lang="en-US" altLang="zh-CN" sz="1200" dirty="0">
+                <a:solidFill>
+                  <a:schemeClr val="bg1"/>
+                </a:solidFill>
+                <a:latin typeface="Microsoft YaHei" panose="020B0503020204020204" pitchFamily="34" charset="-122"/>
+                <a:ea typeface="Microsoft YaHei" panose="020B0503020204020204" pitchFamily="34" charset="-122"/>
+              </a:endParaRPr>
+            </a:p>
+          </p:txBody>
+        </p:sp>
+      </p:grpSp>
       <p:pic>
         <p:nvPicPr>
           <p:cNvPr id="4" name="Picture 3"/>
@@ -9337,8 +9497,32 @@
         </p:blipFill>
         <p:spPr>
           <a:xfrm>
-            <a:off x="3507105" y="2536825"/>
+            <a:off x="560705" y="1890395"/>
             <a:ext cx="3886200" cy="2110740"/>
+          </a:xfrm>
+          <a:prstGeom prst="rect">
+            <a:avLst/>
+          </a:prstGeom>
+        </p:spPr>
+      </p:pic>
+      <p:pic>
+        <p:nvPicPr>
+          <p:cNvPr id="2" name="Picture 1"/>
+          <p:cNvPicPr>
+            <a:picLocks noChangeAspect="1"/>
+          </p:cNvPicPr>
+          <p:nvPr/>
+        </p:nvPicPr>
+        <p:blipFill>
+          <a:blip r:embed="rId2"/>
+          <a:stretch>
+            <a:fillRect/>
+          </a:stretch>
+        </p:blipFill>
+        <p:spPr>
+          <a:xfrm>
+            <a:off x="5342890" y="1890395"/>
+            <a:ext cx="3218815" cy="2114550"/>
           </a:xfrm>
           <a:prstGeom prst="rect">
             <a:avLst/>
@@ -9356,7 +9540,7 @@
 </p:sld>
 </file>
 
-<file path=ppt/slides/slide16.xml><?xml version="1.0" encoding="utf-8"?>
+<file path=ppt/slides/slide17.xml><?xml version="1.0" encoding="utf-8"?>
 <p:sld xmlns:a="http://schemas.openxmlformats.org/drawingml/2006/main" xmlns:r="http://schemas.openxmlformats.org/officeDocument/2006/relationships" xmlns:p="http://schemas.openxmlformats.org/presentationml/2006/main">
   <p:cSld>
     <p:spTree>
